--- a/FinalPresentation.pptx
+++ b/FinalPresentation.pptx
@@ -9295,6 +9295,17 @@
 <file path=ppt/slides/slide16.xml><?xml version="1.0" encoding="utf-8"?>
 <p:sld xmlns:a="http://schemas.openxmlformats.org/drawingml/2006/main" xmlns:r="http://schemas.openxmlformats.org/officeDocument/2006/relationships" xmlns:p="http://schemas.openxmlformats.org/presentationml/2006/main">
   <p:cSld>
+    <p:bg>
+      <p:bgPr>
+        <a:solidFill>
+          <a:schemeClr val="bg1">
+            <a:tint val="95000"/>
+            <a:satMod val="170000"/>
+          </a:schemeClr>
+        </a:solidFill>
+        <a:effectLst/>
+      </p:bgPr>
+    </p:bg>
     <p:spTree>
       <p:nvGrpSpPr>
         <p:cNvPr id="1" name=""/>
@@ -9325,69 +9336,153 @@
             <p:ph type="title"/>
           </p:nvPr>
         </p:nvSpPr>
-        <p:spPr/>
+        <p:spPr>
+          <a:xfrm>
+            <a:off x="6289158" y="803325"/>
+            <a:ext cx="5259707" cy="1325563"/>
+          </a:xfrm>
+        </p:spPr>
         <p:txBody>
-          <a:bodyPr/>
+          <a:bodyPr>
+            <a:normAutofit/>
+          </a:bodyPr>
           <a:lstStyle/>
           <a:p>
             <a:r>
-              <a:rPr lang="en-US" dirty="0"/>
+              <a:rPr lang="en-US"/>
               <a:t>Future Work</a:t>
             </a:r>
+            <a:endParaRPr lang="en-US" dirty="0"/>
           </a:p>
         </p:txBody>
       </p:sp>
       <p:sp>
         <p:nvSpPr>
-          <p:cNvPr id="3" name="Content Placeholder 2">
-            <a:extLst>
-              <a:ext uri="{FF2B5EF4-FFF2-40B4-BE49-F238E27FC236}">
-                <a16:creationId xmlns:a16="http://schemas.microsoft.com/office/drawing/2014/main" id="{9EC022CD-4DE0-4C7D-8501-F151409D1E6A}"/>
+          <p:cNvPr id="71" name="Freeform: Shape 70">
+            <a:extLst>
+              <a:ext uri="{FF2B5EF4-FFF2-40B4-BE49-F238E27FC236}">
+                <a16:creationId xmlns:a16="http://schemas.microsoft.com/office/drawing/2014/main" id="{357DD0D3-F869-46D0-944C-6EC60E19E351}"/>
+              </a:ext>
+              <a:ext uri="{C183D7F6-B498-43B3-948B-1728B52AA6E4}">
+                <adec:decorative xmlns:adec="http://schemas.microsoft.com/office/drawing/2017/decorative" val="1"/>
               </a:ext>
             </a:extLst>
           </p:cNvPr>
           <p:cNvSpPr>
-            <a:spLocks noGrp="1"/>
+            <a:spLocks noGrp="1" noRot="1" noChangeAspect="1" noMove="1" noResize="1" noEditPoints="1" noAdjustHandles="1" noChangeArrowheads="1" noChangeShapeType="1" noTextEdit="1"/>
           </p:cNvSpPr>
           <p:nvPr>
-            <p:ph idx="1"/>
+            <p:extLst>
+              <p:ext uri="{386F3935-93C4-4BCD-93E2-E3B085C9AB24}">
+                <p16:designElem xmlns:p16="http://schemas.microsoft.com/office/powerpoint/2015/main" val="1"/>
+              </p:ext>
+            </p:extLst>
           </p:nvPr>
         </p:nvSpPr>
-        <p:spPr/>
+        <p:spPr>
+          <a:xfrm>
+            <a:off x="0" y="0"/>
+            <a:ext cx="6136816" cy="5254922"/>
+          </a:xfrm>
+          <a:custGeom>
+            <a:avLst/>
+            <a:gdLst>
+              <a:gd name="connsiteX0" fmla="*/ 0 w 6136816"/>
+              <a:gd name="connsiteY0" fmla="*/ 0 h 5254922"/>
+              <a:gd name="connsiteX1" fmla="*/ 6136816 w 6136816"/>
+              <a:gd name="connsiteY1" fmla="*/ 0 h 5254922"/>
+              <a:gd name="connsiteX2" fmla="*/ 6134892 w 6136816"/>
+              <a:gd name="connsiteY2" fmla="*/ 111520 h 5254922"/>
+              <a:gd name="connsiteX3" fmla="*/ 6066513 w 6136816"/>
+              <a:gd name="connsiteY3" fmla="*/ 752995 h 5254922"/>
+              <a:gd name="connsiteX4" fmla="*/ 140712 w 6136816"/>
+              <a:gd name="connsiteY4" fmla="*/ 5219363 h 5254922"/>
+              <a:gd name="connsiteX5" fmla="*/ 0 w 6136816"/>
+              <a:gd name="connsiteY5" fmla="*/ 5199534 h 5254922"/>
+            </a:gdLst>
+            <a:ahLst/>
+            <a:cxnLst>
+              <a:cxn ang="0">
+                <a:pos x="connsiteX0" y="connsiteY0"/>
+              </a:cxn>
+              <a:cxn ang="0">
+                <a:pos x="connsiteX1" y="connsiteY1"/>
+              </a:cxn>
+              <a:cxn ang="0">
+                <a:pos x="connsiteX2" y="connsiteY2"/>
+              </a:cxn>
+              <a:cxn ang="0">
+                <a:pos x="connsiteX3" y="connsiteY3"/>
+              </a:cxn>
+              <a:cxn ang="0">
+                <a:pos x="connsiteX4" y="connsiteY4"/>
+              </a:cxn>
+              <a:cxn ang="0">
+                <a:pos x="connsiteX5" y="connsiteY5"/>
+              </a:cxn>
+            </a:cxnLst>
+            <a:rect l="l" t="t" r="r" b="b"/>
+            <a:pathLst>
+              <a:path w="6136816" h="5254922">
+                <a:moveTo>
+                  <a:pt x="0" y="0"/>
+                </a:moveTo>
+                <a:lnTo>
+                  <a:pt x="6136816" y="0"/>
+                </a:lnTo>
+                <a:lnTo>
+                  <a:pt x="6134892" y="111520"/>
+                </a:lnTo>
+                <a:cubicBezTo>
+                  <a:pt x="6124961" y="323936"/>
+                  <a:pt x="6102367" y="538040"/>
+                  <a:pt x="6066513" y="752995"/>
+                </a:cubicBezTo>
+                <a:cubicBezTo>
+                  <a:pt x="5592281" y="3596146"/>
+                  <a:pt x="2972232" y="5545369"/>
+                  <a:pt x="140712" y="5219363"/>
+                </a:cubicBezTo>
+                <a:lnTo>
+                  <a:pt x="0" y="5199534"/>
+                </a:lnTo>
+                <a:close/>
+              </a:path>
+            </a:pathLst>
+          </a:custGeom>
+          <a:solidFill>
+            <a:schemeClr val="tx1">
+              <a:alpha val="80000"/>
+            </a:schemeClr>
+          </a:solidFill>
+          <a:ln>
+            <a:noFill/>
+          </a:ln>
+        </p:spPr>
+        <p:style>
+          <a:lnRef idx="2">
+            <a:schemeClr val="accent1">
+              <a:shade val="50000"/>
+            </a:schemeClr>
+          </a:lnRef>
+          <a:fillRef idx="1">
+            <a:schemeClr val="accent1"/>
+          </a:fillRef>
+          <a:effectRef idx="0">
+            <a:schemeClr val="accent1"/>
+          </a:effectRef>
+          <a:fontRef idx="minor">
+            <a:schemeClr val="lt1"/>
+          </a:fontRef>
+        </p:style>
         <p:txBody>
-          <a:bodyPr/>
+          <a:bodyPr wrap="square" rtlCol="0" anchor="ctr">
+            <a:noAutofit/>
+          </a:bodyPr>
           <a:lstStyle/>
           <a:p>
-            <a:r>
-              <a:rPr lang="en-US" dirty="0"/>
-              <a:t>Refining the sentiment analysis</a:t>
-            </a:r>
-          </a:p>
-          <a:p>
-            <a:pPr lvl="1"/>
-            <a:r>
-              <a:rPr lang="en-US" dirty="0"/>
-              <a:t>Different algorithms or processes</a:t>
-            </a:r>
-          </a:p>
-          <a:p>
-            <a:r>
-              <a:rPr lang="en-US" dirty="0"/>
-              <a:t>Exploring more about article authors or commenters</a:t>
-            </a:r>
-          </a:p>
-          <a:p>
-            <a:r>
-              <a:rPr lang="en-US" dirty="0"/>
-              <a:t>How does sentiment relate to Stock price?</a:t>
-            </a:r>
-          </a:p>
-          <a:p>
-            <a:pPr lvl="1"/>
-            <a:r>
-              <a:rPr lang="en-US" dirty="0"/>
-              <a:t>Started some analysis</a:t>
-            </a:r>
+            <a:pPr algn="ctr"/>
+            <a:endParaRPr lang="en-US" dirty="0"/>
           </a:p>
         </p:txBody>
       </p:sp>
@@ -9405,7 +9500,7 @@
           </p:cNvPicPr>
           <p:nvPr/>
         </p:nvPicPr>
-        <p:blipFill>
+        <p:blipFill rotWithShape="1">
           <a:blip r:embed="rId2">
             <a:extLst>
               <a:ext uri="{28A0092B-C50C-407E-A947-70E740481C1C}">
@@ -9413,19 +9508,48 @@
               </a:ext>
             </a:extLst>
           </a:blip>
-          <a:srcRect/>
-          <a:stretch>
-            <a:fillRect/>
-          </a:stretch>
+          <a:srcRect r="32365" b="2"/>
+          <a:stretch/>
         </p:blipFill>
         <p:spPr bwMode="auto">
           <a:xfrm>
-            <a:off x="7167489" y="3808144"/>
-            <a:ext cx="3758468" cy="2163592"/>
+            <a:off x="1" y="2"/>
+            <a:ext cx="5863721" cy="4984915"/>
           </a:xfrm>
-          <a:prstGeom prst="rect">
+          <a:custGeom>
             <a:avLst/>
-          </a:prstGeom>
+            <a:gdLst/>
+            <a:ahLst/>
+            <a:cxnLst/>
+            <a:rect l="l" t="t" r="r" b="b"/>
+            <a:pathLst>
+              <a:path w="5863721" h="4984915">
+                <a:moveTo>
+                  <a:pt x="0" y="0"/>
+                </a:moveTo>
+                <a:lnTo>
+                  <a:pt x="5863721" y="0"/>
+                </a:lnTo>
+                <a:lnTo>
+                  <a:pt x="5844576" y="326138"/>
+                </a:lnTo>
+                <a:cubicBezTo>
+                  <a:pt x="5833049" y="448313"/>
+                  <a:pt x="5817094" y="570952"/>
+                  <a:pt x="5796589" y="693884"/>
+                </a:cubicBezTo>
+                <a:cubicBezTo>
+                  <a:pt x="5344573" y="3403845"/>
+                  <a:pt x="2847261" y="5261756"/>
+                  <a:pt x="148386" y="4951022"/>
+                </a:cubicBezTo>
+                <a:lnTo>
+                  <a:pt x="0" y="4930112"/>
+                </a:lnTo>
+                <a:close/>
+              </a:path>
+            </a:pathLst>
+          </a:custGeom>
           <a:noFill/>
           <a:extLst>
             <a:ext uri="{909E8E84-426E-40DD-AFC4-6F175D3DCCD1}">
@@ -9438,6 +9562,67 @@
           </a:extLst>
         </p:spPr>
       </p:pic>
+      <p:sp>
+        <p:nvSpPr>
+          <p:cNvPr id="3" name="Content Placeholder 2">
+            <a:extLst>
+              <a:ext uri="{FF2B5EF4-FFF2-40B4-BE49-F238E27FC236}">
+                <a16:creationId xmlns:a16="http://schemas.microsoft.com/office/drawing/2014/main" id="{9EC022CD-4DE0-4C7D-8501-F151409D1E6A}"/>
+              </a:ext>
+            </a:extLst>
+          </p:cNvPr>
+          <p:cNvSpPr>
+            <a:spLocks noGrp="1"/>
+          </p:cNvSpPr>
+          <p:nvPr>
+            <p:ph idx="1"/>
+          </p:nvPr>
+        </p:nvSpPr>
+        <p:spPr>
+          <a:xfrm>
+            <a:off x="6289158" y="2279018"/>
+            <a:ext cx="5259714" cy="3375920"/>
+          </a:xfrm>
+        </p:spPr>
+        <p:txBody>
+          <a:bodyPr anchor="t">
+            <a:normAutofit/>
+          </a:bodyPr>
+          <a:lstStyle/>
+          <a:p>
+            <a:r>
+              <a:rPr lang="en-US" sz="1800"/>
+              <a:t>Refining the sentiment analysis</a:t>
+            </a:r>
+          </a:p>
+          <a:p>
+            <a:pPr lvl="1"/>
+            <a:r>
+              <a:rPr lang="en-US" sz="1800"/>
+              <a:t>Different algorithms or processes</a:t>
+            </a:r>
+          </a:p>
+          <a:p>
+            <a:r>
+              <a:rPr lang="en-US" sz="1800"/>
+              <a:t>Exploring more about article authors or commenters</a:t>
+            </a:r>
+          </a:p>
+          <a:p>
+            <a:r>
+              <a:rPr lang="en-US" sz="1800"/>
+              <a:t>How does sentiment relate to Stock price?</a:t>
+            </a:r>
+          </a:p>
+          <a:p>
+            <a:pPr lvl="1"/>
+            <a:r>
+              <a:rPr lang="en-US" sz="1800"/>
+              <a:t>Started some analysis</a:t>
+            </a:r>
+          </a:p>
+        </p:txBody>
+      </p:sp>
     </p:spTree>
     <p:extLst>
       <p:ext uri="{BB962C8B-B14F-4D97-AF65-F5344CB8AC3E}">
@@ -9446,7 +9631,7 @@
     </p:extLst>
   </p:cSld>
   <p:clrMapOvr>
-    <a:masterClrMapping/>
+    <a:overrideClrMapping bg1="dk1" tx1="lt1" bg2="dk2" tx2="lt2" accent1="accent1" accent2="accent2" accent3="accent3" accent4="accent4" accent5="accent5" accent6="accent6" hlink="hlink" folHlink="folHlink"/>
   </p:clrMapOvr>
 </p:sld>
 </file>
@@ -9624,6 +9809,17 @@
 <file path=ppt/slides/slide18.xml><?xml version="1.0" encoding="utf-8"?>
 <p:sld xmlns:a="http://schemas.openxmlformats.org/drawingml/2006/main" xmlns:r="http://schemas.openxmlformats.org/officeDocument/2006/relationships" xmlns:p="http://schemas.openxmlformats.org/presentationml/2006/main">
   <p:cSld>
+    <p:bg>
+      <p:bgPr>
+        <a:solidFill>
+          <a:schemeClr val="bg1">
+            <a:tint val="95000"/>
+            <a:satMod val="170000"/>
+          </a:schemeClr>
+        </a:solidFill>
+        <a:effectLst/>
+      </p:bgPr>
+    </p:bg>
     <p:spTree>
       <p:nvGrpSpPr>
         <p:cNvPr id="1" name=""/>
@@ -9640,6 +9836,335 @@
       </p:grpSpPr>
       <p:sp>
         <p:nvSpPr>
+          <p:cNvPr id="8" name="Freeform: Shape 7">
+            <a:extLst>
+              <a:ext uri="{FF2B5EF4-FFF2-40B4-BE49-F238E27FC236}">
+                <a16:creationId xmlns:a16="http://schemas.microsoft.com/office/drawing/2014/main" id="{AD21898E-86C0-4C8A-A76C-DF33E844C87A}"/>
+              </a:ext>
+              <a:ext uri="{C183D7F6-B498-43B3-948B-1728B52AA6E4}">
+                <adec:decorative xmlns:adec="http://schemas.microsoft.com/office/drawing/2017/decorative" val="1"/>
+              </a:ext>
+            </a:extLst>
+          </p:cNvPr>
+          <p:cNvSpPr>
+            <a:spLocks noGrp="1" noRot="1" noChangeAspect="1" noMove="1" noResize="1" noEditPoints="1" noAdjustHandles="1" noChangeArrowheads="1" noChangeShapeType="1" noTextEdit="1"/>
+          </p:cNvSpPr>
+          <p:nvPr>
+            <p:extLst>
+              <p:ext uri="{386F3935-93C4-4BCD-93E2-E3B085C9AB24}">
+                <p16:designElem xmlns:p16="http://schemas.microsoft.com/office/powerpoint/2015/main" val="1"/>
+              </p:ext>
+            </p:extLst>
+          </p:nvPr>
+        </p:nvSpPr>
+        <p:spPr>
+          <a:xfrm>
+            <a:off x="879542" y="0"/>
+            <a:ext cx="10432916" cy="6858000"/>
+          </a:xfrm>
+          <a:custGeom>
+            <a:avLst/>
+            <a:gdLst>
+              <a:gd name="connsiteX0" fmla="*/ 1287962 w 10432916"/>
+              <a:gd name="connsiteY0" fmla="*/ 0 h 6858000"/>
+              <a:gd name="connsiteX1" fmla="*/ 9144956 w 10432916"/>
+              <a:gd name="connsiteY1" fmla="*/ 0 h 6858000"/>
+              <a:gd name="connsiteX2" fmla="*/ 9241731 w 10432916"/>
+              <a:gd name="connsiteY2" fmla="*/ 111692 h 6858000"/>
+              <a:gd name="connsiteX3" fmla="*/ 10432916 w 10432916"/>
+              <a:gd name="connsiteY3" fmla="*/ 3429001 h 6858000"/>
+              <a:gd name="connsiteX4" fmla="*/ 9241730 w 10432916"/>
+              <a:gd name="connsiteY4" fmla="*/ 6746310 h 6858000"/>
+              <a:gd name="connsiteX5" fmla="*/ 9144957 w 10432916"/>
+              <a:gd name="connsiteY5" fmla="*/ 6858000 h 6858000"/>
+              <a:gd name="connsiteX6" fmla="*/ 1287959 w 10432916"/>
+              <a:gd name="connsiteY6" fmla="*/ 6858000 h 6858000"/>
+              <a:gd name="connsiteX7" fmla="*/ 1191186 w 10432916"/>
+              <a:gd name="connsiteY7" fmla="*/ 6746310 h 6858000"/>
+              <a:gd name="connsiteX8" fmla="*/ 0 w 10432916"/>
+              <a:gd name="connsiteY8" fmla="*/ 3429001 h 6858000"/>
+              <a:gd name="connsiteX9" fmla="*/ 1191186 w 10432916"/>
+              <a:gd name="connsiteY9" fmla="*/ 111692 h 6858000"/>
+            </a:gdLst>
+            <a:ahLst/>
+            <a:cxnLst>
+              <a:cxn ang="0">
+                <a:pos x="connsiteX0" y="connsiteY0"/>
+              </a:cxn>
+              <a:cxn ang="0">
+                <a:pos x="connsiteX1" y="connsiteY1"/>
+              </a:cxn>
+              <a:cxn ang="0">
+                <a:pos x="connsiteX2" y="connsiteY2"/>
+              </a:cxn>
+              <a:cxn ang="0">
+                <a:pos x="connsiteX3" y="connsiteY3"/>
+              </a:cxn>
+              <a:cxn ang="0">
+                <a:pos x="connsiteX4" y="connsiteY4"/>
+              </a:cxn>
+              <a:cxn ang="0">
+                <a:pos x="connsiteX5" y="connsiteY5"/>
+              </a:cxn>
+              <a:cxn ang="0">
+                <a:pos x="connsiteX6" y="connsiteY6"/>
+              </a:cxn>
+              <a:cxn ang="0">
+                <a:pos x="connsiteX7" y="connsiteY7"/>
+              </a:cxn>
+              <a:cxn ang="0">
+                <a:pos x="connsiteX8" y="connsiteY8"/>
+              </a:cxn>
+              <a:cxn ang="0">
+                <a:pos x="connsiteX9" y="connsiteY9"/>
+              </a:cxn>
+            </a:cxnLst>
+            <a:rect l="l" t="t" r="r" b="b"/>
+            <a:pathLst>
+              <a:path w="10432916" h="6858000">
+                <a:moveTo>
+                  <a:pt x="1287962" y="0"/>
+                </a:moveTo>
+                <a:lnTo>
+                  <a:pt x="9144956" y="0"/>
+                </a:lnTo>
+                <a:lnTo>
+                  <a:pt x="9241731" y="111692"/>
+                </a:lnTo>
+                <a:cubicBezTo>
+                  <a:pt x="9985889" y="1013175"/>
+                  <a:pt x="10432916" y="2168897"/>
+                  <a:pt x="10432916" y="3429001"/>
+                </a:cubicBezTo>
+                <a:cubicBezTo>
+                  <a:pt x="10432916" y="4689105"/>
+                  <a:pt x="9985889" y="5844827"/>
+                  <a:pt x="9241730" y="6746310"/>
+                </a:cubicBezTo>
+                <a:lnTo>
+                  <a:pt x="9144957" y="6858000"/>
+                </a:lnTo>
+                <a:lnTo>
+                  <a:pt x="1287959" y="6858000"/>
+                </a:lnTo>
+                <a:lnTo>
+                  <a:pt x="1191186" y="6746310"/>
+                </a:lnTo>
+                <a:cubicBezTo>
+                  <a:pt x="447027" y="5844827"/>
+                  <a:pt x="0" y="4689105"/>
+                  <a:pt x="0" y="3429001"/>
+                </a:cubicBezTo>
+                <a:cubicBezTo>
+                  <a:pt x="0" y="2168897"/>
+                  <a:pt x="447027" y="1013175"/>
+                  <a:pt x="1191186" y="111692"/>
+                </a:cubicBezTo>
+                <a:close/>
+              </a:path>
+            </a:pathLst>
+          </a:custGeom>
+          <a:solidFill>
+            <a:schemeClr val="tx1">
+              <a:alpha val="80000"/>
+            </a:schemeClr>
+          </a:solidFill>
+          <a:ln>
+            <a:noFill/>
+          </a:ln>
+        </p:spPr>
+        <p:style>
+          <a:lnRef idx="2">
+            <a:schemeClr val="accent1">
+              <a:shade val="50000"/>
+            </a:schemeClr>
+          </a:lnRef>
+          <a:fillRef idx="1">
+            <a:schemeClr val="accent1"/>
+          </a:fillRef>
+          <a:effectRef idx="0">
+            <a:schemeClr val="accent1"/>
+          </a:effectRef>
+          <a:fontRef idx="minor">
+            <a:schemeClr val="lt1"/>
+          </a:fontRef>
+        </p:style>
+        <p:txBody>
+          <a:bodyPr rtlCol="0" anchor="ctr"/>
+          <a:lstStyle/>
+          <a:p>
+            <a:pPr algn="ctr"/>
+            <a:endParaRPr lang="en-US"/>
+          </a:p>
+        </p:txBody>
+      </p:sp>
+      <p:sp>
+        <p:nvSpPr>
+          <p:cNvPr id="10" name="Freeform: Shape 9">
+            <a:extLst>
+              <a:ext uri="{FF2B5EF4-FFF2-40B4-BE49-F238E27FC236}">
+                <a16:creationId xmlns:a16="http://schemas.microsoft.com/office/drawing/2014/main" id="{5C8F04BD-D093-45D0-B54C-50FDB308B4EE}"/>
+              </a:ext>
+              <a:ext uri="{C183D7F6-B498-43B3-948B-1728B52AA6E4}">
+                <adec:decorative xmlns:adec="http://schemas.microsoft.com/office/drawing/2017/decorative" val="1"/>
+              </a:ext>
+            </a:extLst>
+          </p:cNvPr>
+          <p:cNvSpPr>
+            <a:spLocks noGrp="1" noRot="1" noChangeAspect="1" noMove="1" noResize="1" noEditPoints="1" noAdjustHandles="1" noChangeArrowheads="1" noChangeShapeType="1" noTextEdit="1"/>
+          </p:cNvSpPr>
+          <p:nvPr>
+            <p:extLst>
+              <p:ext uri="{386F3935-93C4-4BCD-93E2-E3B085C9AB24}">
+                <p16:designElem xmlns:p16="http://schemas.microsoft.com/office/powerpoint/2015/main" val="1"/>
+              </p:ext>
+            </p:extLst>
+          </p:nvPr>
+        </p:nvSpPr>
+        <p:spPr>
+          <a:xfrm>
+            <a:off x="1134942" y="0"/>
+            <a:ext cx="9922116" cy="6858000"/>
+          </a:xfrm>
+          <a:custGeom>
+            <a:avLst/>
+            <a:gdLst>
+              <a:gd name="connsiteX0" fmla="*/ 1378575 w 9922116"/>
+              <a:gd name="connsiteY0" fmla="*/ 0 h 6858000"/>
+              <a:gd name="connsiteX1" fmla="*/ 8543542 w 9922116"/>
+              <a:gd name="connsiteY1" fmla="*/ 0 h 6858000"/>
+              <a:gd name="connsiteX2" fmla="*/ 8633323 w 9922116"/>
+              <a:gd name="connsiteY2" fmla="*/ 94145 h 6858000"/>
+              <a:gd name="connsiteX3" fmla="*/ 9922116 w 9922116"/>
+              <a:gd name="connsiteY3" fmla="*/ 3429001 h 6858000"/>
+              <a:gd name="connsiteX4" fmla="*/ 8633323 w 9922116"/>
+              <a:gd name="connsiteY4" fmla="*/ 6763858 h 6858000"/>
+              <a:gd name="connsiteX5" fmla="*/ 8543544 w 9922116"/>
+              <a:gd name="connsiteY5" fmla="*/ 6858000 h 6858000"/>
+              <a:gd name="connsiteX6" fmla="*/ 1378573 w 9922116"/>
+              <a:gd name="connsiteY6" fmla="*/ 6858000 h 6858000"/>
+              <a:gd name="connsiteX7" fmla="*/ 1288793 w 9922116"/>
+              <a:gd name="connsiteY7" fmla="*/ 6763858 h 6858000"/>
+              <a:gd name="connsiteX8" fmla="*/ 0 w 9922116"/>
+              <a:gd name="connsiteY8" fmla="*/ 3429001 h 6858000"/>
+              <a:gd name="connsiteX9" fmla="*/ 1288793 w 9922116"/>
+              <a:gd name="connsiteY9" fmla="*/ 94145 h 6858000"/>
+            </a:gdLst>
+            <a:ahLst/>
+            <a:cxnLst>
+              <a:cxn ang="0">
+                <a:pos x="connsiteX0" y="connsiteY0"/>
+              </a:cxn>
+              <a:cxn ang="0">
+                <a:pos x="connsiteX1" y="connsiteY1"/>
+              </a:cxn>
+              <a:cxn ang="0">
+                <a:pos x="connsiteX2" y="connsiteY2"/>
+              </a:cxn>
+              <a:cxn ang="0">
+                <a:pos x="connsiteX3" y="connsiteY3"/>
+              </a:cxn>
+              <a:cxn ang="0">
+                <a:pos x="connsiteX4" y="connsiteY4"/>
+              </a:cxn>
+              <a:cxn ang="0">
+                <a:pos x="connsiteX5" y="connsiteY5"/>
+              </a:cxn>
+              <a:cxn ang="0">
+                <a:pos x="connsiteX6" y="connsiteY6"/>
+              </a:cxn>
+              <a:cxn ang="0">
+                <a:pos x="connsiteX7" y="connsiteY7"/>
+              </a:cxn>
+              <a:cxn ang="0">
+                <a:pos x="connsiteX8" y="connsiteY8"/>
+              </a:cxn>
+              <a:cxn ang="0">
+                <a:pos x="connsiteX9" y="connsiteY9"/>
+              </a:cxn>
+            </a:cxnLst>
+            <a:rect l="l" t="t" r="r" b="b"/>
+            <a:pathLst>
+              <a:path w="9922116" h="6858000">
+                <a:moveTo>
+                  <a:pt x="1378575" y="0"/>
+                </a:moveTo>
+                <a:lnTo>
+                  <a:pt x="8543542" y="0"/>
+                </a:lnTo>
+                <a:lnTo>
+                  <a:pt x="8633323" y="94145"/>
+                </a:lnTo>
+                <a:cubicBezTo>
+                  <a:pt x="9434072" y="974941"/>
+                  <a:pt x="9922116" y="2144991"/>
+                  <a:pt x="9922116" y="3429001"/>
+                </a:cubicBezTo>
+                <a:cubicBezTo>
+                  <a:pt x="9922116" y="4713011"/>
+                  <a:pt x="9434072" y="5883061"/>
+                  <a:pt x="8633323" y="6763858"/>
+                </a:cubicBezTo>
+                <a:lnTo>
+                  <a:pt x="8543544" y="6858000"/>
+                </a:lnTo>
+                <a:lnTo>
+                  <a:pt x="1378573" y="6858000"/>
+                </a:lnTo>
+                <a:lnTo>
+                  <a:pt x="1288793" y="6763858"/>
+                </a:lnTo>
+                <a:cubicBezTo>
+                  <a:pt x="488044" y="5883061"/>
+                  <a:pt x="0" y="4713011"/>
+                  <a:pt x="0" y="3429001"/>
+                </a:cubicBezTo>
+                <a:cubicBezTo>
+                  <a:pt x="0" y="2144991"/>
+                  <a:pt x="488044" y="974941"/>
+                  <a:pt x="1288793" y="94145"/>
+                </a:cubicBezTo>
+                <a:close/>
+              </a:path>
+            </a:pathLst>
+          </a:custGeom>
+          <a:solidFill>
+            <a:schemeClr val="bg1">
+              <a:lumMod val="65000"/>
+              <a:lumOff val="35000"/>
+            </a:schemeClr>
+          </a:solidFill>
+          <a:ln>
+            <a:noFill/>
+          </a:ln>
+        </p:spPr>
+        <p:style>
+          <a:lnRef idx="2">
+            <a:schemeClr val="accent1">
+              <a:shade val="50000"/>
+            </a:schemeClr>
+          </a:lnRef>
+          <a:fillRef idx="1">
+            <a:schemeClr val="accent1"/>
+          </a:fillRef>
+          <a:effectRef idx="0">
+            <a:schemeClr val="accent1"/>
+          </a:effectRef>
+          <a:fontRef idx="minor">
+            <a:schemeClr val="lt1"/>
+          </a:fontRef>
+        </p:style>
+        <p:txBody>
+          <a:bodyPr rtlCol="0" anchor="ctr"/>
+          <a:lstStyle/>
+          <a:p>
+            <a:pPr algn="ctr"/>
+            <a:endParaRPr lang="en-US" dirty="0"/>
+          </a:p>
+        </p:txBody>
+      </p:sp>
+      <p:sp>
+        <p:nvSpPr>
           <p:cNvPr id="2" name="Title 1">
             <a:extLst>
               <a:ext uri="{FF2B5EF4-FFF2-40B4-BE49-F238E27FC236}">
@@ -9654,15 +10179,24 @@
             <p:ph type="title"/>
           </p:nvPr>
         </p:nvSpPr>
-        <p:spPr/>
+        <p:spPr>
+          <a:xfrm>
+            <a:off x="2311147" y="365760"/>
+            <a:ext cx="7569706" cy="1288238"/>
+          </a:xfrm>
+        </p:spPr>
         <p:txBody>
-          <a:bodyPr/>
+          <a:bodyPr anchor="ctr">
+            <a:normAutofit/>
+          </a:bodyPr>
           <a:lstStyle/>
           <a:p>
+            <a:pPr algn="ctr"/>
             <a:r>
               <a:rPr lang="en-US" dirty="0"/>
               <a:t>References</a:t>
             </a:r>
+            <a:endParaRPr lang="en-US"/>
           </a:p>
         </p:txBody>
       </p:sp>
@@ -9682,134 +10216,51 @@
             <p:ph idx="1"/>
           </p:nvPr>
         </p:nvSpPr>
-        <p:spPr/>
+        <p:spPr>
+          <a:xfrm>
+            <a:off x="2165569" y="1956816"/>
+            <a:ext cx="7860863" cy="4024884"/>
+          </a:xfrm>
+        </p:spPr>
         <p:txBody>
-          <a:bodyPr>
-            <a:normAutofit fontScale="55000" lnSpcReduction="20000"/>
+          <a:bodyPr anchor="t">
+            <a:normAutofit/>
           </a:bodyPr>
           <a:lstStyle/>
           <a:p>
             <a:r>
-              <a:rPr lang="en-US" dirty="0"/>
-              <a:t>Bing Liu, </a:t>
+              <a:rPr lang="en-US" sz="1100"/>
+              <a:t>Bing Liu, Minqing Hu and Junsheng Cheng. "Opinion Observer: Analyzing and Comparing Opinions on the Web." Proceedings of the 14th International World Wide Web conference (WWW-2005), May 10-14, 2005, Chiba, Japan.</a:t>
             </a:r>
+          </a:p>
+          <a:p>
             <a:r>
-              <a:rPr lang="en-US" dirty="0" err="1"/>
-              <a:t>Minqing</a:t>
+              <a:rPr lang="en-US" sz="1100"/>
+              <a:t>Minqing Hu and Bing Liu. "Mining and Summarizing Customer Reviews." Proceedings of the ACM SIGKDD International Conference on Knowledge Discovery and Data Mining (KDD-2004), Aug 22-25, 2004, Seattle, Washington, USA. See: http://www.cs.uic.edu/~liub/FBS/sentiment-analysis.html#lexicon</a:t>
             </a:r>
+          </a:p>
+          <a:p>
             <a:r>
-              <a:rPr lang="en-US" dirty="0"/>
-              <a:t> Hu and </a:t>
+              <a:rPr lang="en-US" sz="1100"/>
+              <a:t>Saif Mohammad and Peter Turney. "Emotions Evoked by Common Words and Phrases: Using Mechanical Turk to Create an Emotion Lexicon." In Proceedings of the NAACL-HLT 2010 Workshop on Computational Approaches to Analysis and Generation of Emotion in Text, June 2010, LA, California. See: http://saifmohammad.com/WebPages/lexicons.html</a:t>
             </a:r>
+          </a:p>
+          <a:p>
             <a:r>
-              <a:rPr lang="en-US" dirty="0" err="1"/>
-              <a:t>Junsheng</a:t>
+              <a:rPr lang="en-US" sz="1100"/>
+              <a:t>Finn Årup Nielsen. "A new ANEW: Evaluation of a word list for sentiment analysis in microblogs", Proceedings of the ESWC2011 Workshop on 'Making Sense of Microposts':Big things come in small packages 718 in CEUR Workshop Proceedings : 93-98. 2011 May. http://arxiv.org/abs/1103.2903. See: http://www2.imm.dtu.dk/pubdb/views/publication_details.php?id=6010</a:t>
             </a:r>
+          </a:p>
+          <a:p>
             <a:r>
-              <a:rPr lang="en-US" dirty="0"/>
-              <a:t> Cheng. "Opinion Observer: Analyzing and Comparing Opinions on the Web." Proceedings of the 14th International World Wide Web conference (WWW-2005), May 10-14, 2005, Chiba, Japan.</a:t>
+              <a:rPr lang="en-US" sz="1100"/>
+              <a:t>Manning, Christopher D., Surdeanu, Mihai, Bauer, John, Finkel, Jenny, Bethard, Steven J., and McClosky, David. 2014. The Stanford CoreNLP Natural Language Processing Toolkit. In Proceedings of 52nd Annual Meeting of the Association for Computational Linguistics: System Demonstrations, pp. 55-60. See: http://nlp.stanford.edu/software/corenlp.shtml</a:t>
             </a:r>
           </a:p>
           <a:p>
             <a:r>
-              <a:rPr lang="en-US" dirty="0" err="1"/>
-              <a:t>Minqing</a:t>
-            </a:r>
-            <a:r>
-              <a:rPr lang="en-US" dirty="0"/>
-              <a:t> Hu and Bing Liu. "Mining and Summarizing Customer Reviews." Proceedings of the ACM SIGKDD International Conference on Knowledge Discovery and Data Mining (KDD-2004), Aug 22-25, 2004, Seattle, Washington, USA. See: http://www.cs.uic.edu/~liub/FBS/sentiment-analysis.html#lexicon</a:t>
-            </a:r>
-          </a:p>
-          <a:p>
-            <a:r>
-              <a:rPr lang="en-US" dirty="0" err="1"/>
-              <a:t>Saif</a:t>
-            </a:r>
-            <a:r>
-              <a:rPr lang="en-US" dirty="0"/>
-              <a:t> Mohammad and Peter Turney. "Emotions Evoked by Common Words and Phrases: Using Mechanical Turk to Create an Emotion Lexicon." In Proceedings of the NAACL-HLT 2010 Workshop on Computational Approaches to Analysis and Generation of Emotion in Text, June 2010, LA, California. See: http://saifmohammad.com/WebPages/lexicons.html</a:t>
-            </a:r>
-          </a:p>
-          <a:p>
-            <a:r>
-              <a:rPr lang="en-US" dirty="0"/>
-              <a:t>Finn </a:t>
-            </a:r>
-            <a:r>
-              <a:rPr lang="en-US" dirty="0" err="1"/>
-              <a:t>Årup</a:t>
-            </a:r>
-            <a:r>
-              <a:rPr lang="en-US" dirty="0"/>
-              <a:t> Nielsen. "A new ANEW: Evaluation of a word list for sentiment analysis in microblogs", Proceedings of the ESWC2011 Workshop on 'Making Sense of </a:t>
-            </a:r>
-            <a:r>
-              <a:rPr lang="en-US" dirty="0" err="1"/>
-              <a:t>Microposts</a:t>
-            </a:r>
-            <a:r>
-              <a:rPr lang="en-US" dirty="0"/>
-              <a:t>':Big things come in small packages 718 in CEUR Workshop Proceedings : 93-98. 2011 May. http://arxiv.org/abs/1103.2903. See: http://www2.imm.dtu.dk/pubdb/views/publication_details.php?id=6010</a:t>
-            </a:r>
-          </a:p>
-          <a:p>
-            <a:r>
-              <a:rPr lang="en-US" dirty="0"/>
-              <a:t>Manning, Christopher D., </a:t>
-            </a:r>
-            <a:r>
-              <a:rPr lang="en-US" dirty="0" err="1"/>
-              <a:t>Surdeanu</a:t>
-            </a:r>
-            <a:r>
-              <a:rPr lang="en-US" dirty="0"/>
-              <a:t>, Mihai, Bauer, John, Finkel, Jenny, </a:t>
-            </a:r>
-            <a:r>
-              <a:rPr lang="en-US" dirty="0" err="1"/>
-              <a:t>Bethard</a:t>
-            </a:r>
-            <a:r>
-              <a:rPr lang="en-US" dirty="0"/>
-              <a:t>, Steven J., and </a:t>
-            </a:r>
-            <a:r>
-              <a:rPr lang="en-US" dirty="0" err="1"/>
-              <a:t>McClosky</a:t>
-            </a:r>
-            <a:r>
-              <a:rPr lang="en-US" dirty="0"/>
-              <a:t>, David. 2014. The Stanford </a:t>
-            </a:r>
-            <a:r>
-              <a:rPr lang="en-US" dirty="0" err="1"/>
-              <a:t>CoreNLP</a:t>
-            </a:r>
-            <a:r>
-              <a:rPr lang="en-US" dirty="0"/>
-              <a:t> Natural Language Processing Toolkit. In Proceedings of 52nd Annual Meeting of the Association for Computational Linguistics: System Demonstrations, pp. 55-60. See: http://nlp.stanford.edu/software/corenlp.shtml</a:t>
-            </a:r>
-          </a:p>
-          <a:p>
-            <a:r>
-              <a:rPr lang="en-US" dirty="0"/>
-              <a:t>Richard </a:t>
-            </a:r>
-            <a:r>
-              <a:rPr lang="en-US" dirty="0" err="1"/>
-              <a:t>Socher</a:t>
-            </a:r>
-            <a:r>
-              <a:rPr lang="en-US" dirty="0"/>
-              <a:t>, Alex </a:t>
-            </a:r>
-            <a:r>
-              <a:rPr lang="en-US" dirty="0" err="1"/>
-              <a:t>Perelygin</a:t>
-            </a:r>
-            <a:r>
-              <a:rPr lang="en-US" dirty="0"/>
-              <a:t>, Jean Wu, Jason Chuang, Christopher Manning, Andrew Ng and Christopher Potts. "Recursive Deep Models for Semantic Compositionality Over a Sentiment Treebank Conference on Empirical Methods in Natural Language Processing" (EMNLP 2013). See: http://nlp.stanford.edu/sentiment/</a:t>
+              <a:rPr lang="en-US" sz="1100"/>
+              <a:t>Richard Socher, Alex Perelygin, Jean Wu, Jason Chuang, Christopher Manning, Andrew Ng and Christopher Potts. "Recursive Deep Models for Semantic Compositionality Over a Sentiment Treebank Conference on Empirical Methods in Natural Language Processing" (EMNLP 2013). See: http://nlp.stanford.edu/sentiment/</a:t>
             </a:r>
           </a:p>
         </p:txBody>
@@ -9822,7 +10273,7 @@
     </p:extLst>
   </p:cSld>
   <p:clrMapOvr>
-    <a:masterClrMapping/>
+    <a:overrideClrMapping bg1="dk1" tx1="lt1" bg2="dk2" tx2="lt2" accent1="accent1" accent2="accent2" accent3="accent3" accent4="accent4" accent5="accent5" accent6="accent6" hlink="hlink" folHlink="folHlink"/>
   </p:clrMapOvr>
 </p:sld>
 </file>
@@ -12104,7 +12555,7 @@
           <a:p>
             <a:r>
               <a:rPr lang="en-US" sz="1800" dirty="0"/>
-              <a:t>Collected Date, Author, Tags, Title, article text, article comments, website</a:t>
+              <a:t>Collected date, author, tags, title, article text, article comments, website</a:t>
             </a:r>
           </a:p>
           <a:p>
